--- a/Project Presentation.pptx
+++ b/Project Presentation.pptx
@@ -6796,7 +6796,7 @@
             <a:pPr algn="l"/>
             <a:r>
               <a:rPr lang="en-US" sz="6600" dirty="0"/>
-              <a:t>Fitness Tracker Web Application</a:t>
+              <a:t>Gym Tracker Web Application</a:t>
             </a:r>
           </a:p>
         </p:txBody>
@@ -11426,7 +11426,7 @@
         </p:nvSpPr>
         <p:spPr>
           <a:xfrm>
-            <a:off x="693035" y="1023257"/>
+            <a:off x="615007" y="-143330"/>
             <a:ext cx="5968515" cy="4767944"/>
           </a:xfrm>
         </p:spPr>
@@ -11441,8 +11441,38 @@
               <a:buChar char="•"/>
             </a:pPr>
             <a:r>
-              <a:rPr lang="en-US" sz="2000"/>
-              <a:t>List any objectives that have already been implemented.</a:t>
+              <a:rPr lang="en-US" sz="2000" dirty="0"/>
+              <a:t>Objectives Implemented</a:t>
+            </a:r>
+          </a:p>
+          <a:p>
+            <a:pPr lvl="1" algn="l">
+              <a:buFont typeface="Arial"/>
+              <a:buChar char="•"/>
+            </a:pPr>
+            <a:r>
+              <a:rPr lang="en-US" sz="1900" dirty="0"/>
+              <a:t> Wireframe</a:t>
+            </a:r>
+          </a:p>
+          <a:p>
+            <a:pPr lvl="1" algn="l">
+              <a:buFont typeface="Arial"/>
+              <a:buChar char="•"/>
+            </a:pPr>
+            <a:r>
+              <a:rPr lang="en-US" sz="1900" dirty="0"/>
+              <a:t> Github repository</a:t>
+            </a:r>
+          </a:p>
+          <a:p>
+            <a:pPr lvl="1" algn="l">
+              <a:buFont typeface="Arial"/>
+              <a:buChar char="•"/>
+            </a:pPr>
+            <a:r>
+              <a:rPr lang="en-US" sz="1900" dirty="0"/>
+              <a:t> Project Dissertation</a:t>
             </a:r>
           </a:p>
           <a:p>
@@ -11450,51 +11480,21 @@
               <a:buFont typeface="Arial"/>
               <a:buChar char="•"/>
             </a:pPr>
-            <a:r>
-              <a:rPr lang="en-US" sz="2000"/>
-              <a:t>Show a screen grab of your project working and its GitHub repo and commit history.</a:t>
-            </a:r>
-          </a:p>
-          <a:p>
-            <a:pPr marL="342900" indent="-342900" algn="l">
-              <a:buFont typeface="Arial"/>
-              <a:buChar char="•"/>
-            </a:pPr>
-            <a:r>
-              <a:rPr lang="en-US" sz="2000"/>
-              <a:t>Give a 1-minute live demo or a 1-minute video of skeleton application in its deployed environment, e.g. Amazon, JVM, Unity.</a:t>
-            </a:r>
-          </a:p>
-          <a:p>
-            <a:pPr marL="342900" indent="-342900" algn="l">
-              <a:buFont typeface="Arial"/>
-              <a:buChar char="•"/>
-            </a:pPr>
-            <a:r>
-              <a:rPr lang="en-US" sz="2000"/>
-              <a:t>Group projects should show who worked on, is working on, will work on what...</a:t>
-            </a:r>
-          </a:p>
-          <a:p>
-            <a:pPr marL="342900" indent="-342900" algn="l">
-              <a:buFont typeface="Arial"/>
-              <a:buChar char="•"/>
-            </a:pPr>
-            <a:endParaRPr lang="en-US" sz="2000"/>
+            <a:endParaRPr lang="en-US" sz="2000" dirty="0"/>
           </a:p>
           <a:p>
             <a:pPr algn="l">
               <a:buFont typeface="Arial"/>
               <a:buChar char="•"/>
             </a:pPr>
-            <a:endParaRPr lang="en-US" sz="2000"/>
+            <a:endParaRPr lang="en-US" sz="2000" dirty="0"/>
           </a:p>
           <a:p>
             <a:pPr algn="l">
               <a:buFont typeface="Arial"/>
               <a:buChar char="•"/>
             </a:pPr>
-            <a:endParaRPr lang="en-US" sz="2000"/>
+            <a:endParaRPr lang="en-US" sz="2000" dirty="0"/>
           </a:p>
         </p:txBody>
       </p:sp>
@@ -11911,6 +11911,96 @@
           </a:p>
         </p:txBody>
       </p:sp>
+      <p:pic>
+        <p:nvPicPr>
+          <p:cNvPr id="5" name="Picture 4">
+            <a:extLst>
+              <a:ext uri="{FF2B5EF4-FFF2-40B4-BE49-F238E27FC236}">
+                <a16:creationId xmlns:a16="http://schemas.microsoft.com/office/drawing/2014/main" id="{EB1441F2-6FA5-4B6F-BD26-8BB7D9882B74}"/>
+              </a:ext>
+            </a:extLst>
+          </p:cNvPr>
+          <p:cNvPicPr>
+            <a:picLocks noChangeAspect="1"/>
+          </p:cNvPicPr>
+          <p:nvPr/>
+        </p:nvPicPr>
+        <p:blipFill>
+          <a:blip r:embed="rId2"/>
+          <a:stretch>
+            <a:fillRect/>
+          </a:stretch>
+        </p:blipFill>
+        <p:spPr>
+          <a:xfrm>
+            <a:off x="198012" y="4600760"/>
+            <a:ext cx="3797098" cy="1623786"/>
+          </a:xfrm>
+          <a:prstGeom prst="rect">
+            <a:avLst/>
+          </a:prstGeom>
+        </p:spPr>
+      </p:pic>
+      <p:pic>
+        <p:nvPicPr>
+          <p:cNvPr id="7" name="Picture 6">
+            <a:extLst>
+              <a:ext uri="{FF2B5EF4-FFF2-40B4-BE49-F238E27FC236}">
+                <a16:creationId xmlns:a16="http://schemas.microsoft.com/office/drawing/2014/main" id="{EE20FF0D-6041-4EF9-9393-8D2286A3CE7B}"/>
+              </a:ext>
+            </a:extLst>
+          </p:cNvPr>
+          <p:cNvPicPr>
+            <a:picLocks noChangeAspect="1"/>
+          </p:cNvPicPr>
+          <p:nvPr/>
+        </p:nvPicPr>
+        <p:blipFill>
+          <a:blip r:embed="rId3"/>
+          <a:stretch>
+            <a:fillRect/>
+          </a:stretch>
+        </p:blipFill>
+        <p:spPr>
+          <a:xfrm>
+            <a:off x="204538" y="2463670"/>
+            <a:ext cx="6389337" cy="1801021"/>
+          </a:xfrm>
+          <a:prstGeom prst="rect">
+            <a:avLst/>
+          </a:prstGeom>
+        </p:spPr>
+      </p:pic>
+      <p:pic>
+        <p:nvPicPr>
+          <p:cNvPr id="17" name="Picture 16">
+            <a:extLst>
+              <a:ext uri="{FF2B5EF4-FFF2-40B4-BE49-F238E27FC236}">
+                <a16:creationId xmlns:a16="http://schemas.microsoft.com/office/drawing/2014/main" id="{7A6EE3AC-6E87-4D7D-B36B-AC20B5CB32E1}"/>
+              </a:ext>
+            </a:extLst>
+          </p:cNvPr>
+          <p:cNvPicPr>
+            <a:picLocks noChangeAspect="1"/>
+          </p:cNvPicPr>
+          <p:nvPr/>
+        </p:nvPicPr>
+        <p:blipFill>
+          <a:blip r:embed="rId4"/>
+          <a:stretch>
+            <a:fillRect/>
+          </a:stretch>
+        </p:blipFill>
+        <p:spPr>
+          <a:xfrm>
+            <a:off x="4187542" y="4400966"/>
+            <a:ext cx="3694961" cy="2192614"/>
+          </a:xfrm>
+          <a:prstGeom prst="rect">
+            <a:avLst/>
+          </a:prstGeom>
+        </p:spPr>
+      </p:pic>
     </p:spTree>
     <p:extLst>
       <p:ext uri="{BB962C8B-B14F-4D97-AF65-F5344CB8AC3E}">

--- a/Project Presentation.pptx
+++ b/Project Presentation.pptx
@@ -618,7 +618,7 @@
           <a:p>
             <a:fld id="{2E3F47AE-4804-4655-8D11-C2BEE1A314EC}" type="datetimeFigureOut">
               <a:rPr lang="en-GB" smtClean="0"/>
-              <a:t>01/12/2021</a:t>
+              <a:t>02/12/2021</a:t>
             </a:fld>
             <a:endParaRPr lang="en-GB"/>
           </a:p>
@@ -914,7 +914,7 @@
           <a:p>
             <a:fld id="{2E3F47AE-4804-4655-8D11-C2BEE1A314EC}" type="datetimeFigureOut">
               <a:rPr lang="en-GB" smtClean="0"/>
-              <a:t>01/12/2021</a:t>
+              <a:t>02/12/2021</a:t>
             </a:fld>
             <a:endParaRPr lang="en-GB"/>
           </a:p>
@@ -1162,7 +1162,7 @@
           <a:p>
             <a:fld id="{2E3F47AE-4804-4655-8D11-C2BEE1A314EC}" type="datetimeFigureOut">
               <a:rPr lang="en-GB" smtClean="0"/>
-              <a:t>01/12/2021</a:t>
+              <a:t>02/12/2021</a:t>
             </a:fld>
             <a:endParaRPr lang="en-GB"/>
           </a:p>
@@ -1702,7 +1702,7 @@
           <a:p>
             <a:fld id="{2E3F47AE-4804-4655-8D11-C2BEE1A314EC}" type="datetimeFigureOut">
               <a:rPr lang="en-GB" smtClean="0"/>
-              <a:t>01/12/2021</a:t>
+              <a:t>02/12/2021</a:t>
             </a:fld>
             <a:endParaRPr lang="en-GB"/>
           </a:p>
@@ -1950,7 +1950,7 @@
           <a:p>
             <a:fld id="{2E3F47AE-4804-4655-8D11-C2BEE1A314EC}" type="datetimeFigureOut">
               <a:rPr lang="en-GB" smtClean="0"/>
-              <a:t>01/12/2021</a:t>
+              <a:t>02/12/2021</a:t>
             </a:fld>
             <a:endParaRPr lang="en-GB"/>
           </a:p>
@@ -2482,7 +2482,7 @@
           <a:p>
             <a:fld id="{2E3F47AE-4804-4655-8D11-C2BEE1A314EC}" type="datetimeFigureOut">
               <a:rPr lang="en-GB" smtClean="0"/>
-              <a:t>01/12/2021</a:t>
+              <a:t>02/12/2021</a:t>
             </a:fld>
             <a:endParaRPr lang="en-GB"/>
           </a:p>
@@ -2779,7 +2779,7 @@
           <a:p>
             <a:fld id="{2E3F47AE-4804-4655-8D11-C2BEE1A314EC}" type="datetimeFigureOut">
               <a:rPr lang="en-GB" smtClean="0"/>
-              <a:t>01/12/2021</a:t>
+              <a:t>02/12/2021</a:t>
             </a:fld>
             <a:endParaRPr lang="en-GB"/>
           </a:p>
@@ -2953,7 +2953,7 @@
           <a:p>
             <a:fld id="{2E3F47AE-4804-4655-8D11-C2BEE1A314EC}" type="datetimeFigureOut">
               <a:rPr lang="en-GB" smtClean="0"/>
-              <a:t>01/12/2021</a:t>
+              <a:t>02/12/2021</a:t>
             </a:fld>
             <a:endParaRPr lang="en-GB"/>
           </a:p>
@@ -3133,7 +3133,7 @@
           <a:p>
             <a:fld id="{2E3F47AE-4804-4655-8D11-C2BEE1A314EC}" type="datetimeFigureOut">
               <a:rPr lang="en-GB" smtClean="0"/>
-              <a:t>01/12/2021</a:t>
+              <a:t>02/12/2021</a:t>
             </a:fld>
             <a:endParaRPr lang="en-GB"/>
           </a:p>
@@ -3303,7 +3303,7 @@
           <a:p>
             <a:fld id="{2E3F47AE-4804-4655-8D11-C2BEE1A314EC}" type="datetimeFigureOut">
               <a:rPr lang="en-GB" smtClean="0"/>
-              <a:t>01/12/2021</a:t>
+              <a:t>02/12/2021</a:t>
             </a:fld>
             <a:endParaRPr lang="en-GB"/>
           </a:p>
@@ -3554,7 +3554,7 @@
           <a:p>
             <a:fld id="{2E3F47AE-4804-4655-8D11-C2BEE1A314EC}" type="datetimeFigureOut">
               <a:rPr lang="en-GB" smtClean="0"/>
-              <a:t>01/12/2021</a:t>
+              <a:t>02/12/2021</a:t>
             </a:fld>
             <a:endParaRPr lang="en-GB"/>
           </a:p>
@@ -3851,7 +3851,7 @@
           <a:p>
             <a:fld id="{2E3F47AE-4804-4655-8D11-C2BEE1A314EC}" type="datetimeFigureOut">
               <a:rPr lang="en-GB" smtClean="0"/>
-              <a:t>01/12/2021</a:t>
+              <a:t>02/12/2021</a:t>
             </a:fld>
             <a:endParaRPr lang="en-GB"/>
           </a:p>
@@ -4293,7 +4293,7 @@
           <a:p>
             <a:fld id="{2E3F47AE-4804-4655-8D11-C2BEE1A314EC}" type="datetimeFigureOut">
               <a:rPr lang="en-GB" smtClean="0"/>
-              <a:t>01/12/2021</a:t>
+              <a:t>02/12/2021</a:t>
             </a:fld>
             <a:endParaRPr lang="en-GB"/>
           </a:p>
@@ -4411,7 +4411,7 @@
           <a:p>
             <a:fld id="{2E3F47AE-4804-4655-8D11-C2BEE1A314EC}" type="datetimeFigureOut">
               <a:rPr lang="en-GB" smtClean="0"/>
-              <a:t>01/12/2021</a:t>
+              <a:t>02/12/2021</a:t>
             </a:fld>
             <a:endParaRPr lang="en-GB"/>
           </a:p>
@@ -4506,7 +4506,7 @@
           <a:p>
             <a:fld id="{2E3F47AE-4804-4655-8D11-C2BEE1A314EC}" type="datetimeFigureOut">
               <a:rPr lang="en-GB" smtClean="0"/>
-              <a:t>01/12/2021</a:t>
+              <a:t>02/12/2021</a:t>
             </a:fld>
             <a:endParaRPr lang="en-GB"/>
           </a:p>
@@ -4789,7 +4789,7 @@
           <a:p>
             <a:fld id="{2E3F47AE-4804-4655-8D11-C2BEE1A314EC}" type="datetimeFigureOut">
               <a:rPr lang="en-GB" smtClean="0"/>
-              <a:t>01/12/2021</a:t>
+              <a:t>02/12/2021</a:t>
             </a:fld>
             <a:endParaRPr lang="en-GB"/>
           </a:p>
@@ -5080,7 +5080,7 @@
           <a:p>
             <a:fld id="{2E3F47AE-4804-4655-8D11-C2BEE1A314EC}" type="datetimeFigureOut">
               <a:rPr lang="en-GB" smtClean="0"/>
-              <a:t>01/12/2021</a:t>
+              <a:t>02/12/2021</a:t>
             </a:fld>
             <a:endParaRPr lang="en-GB"/>
           </a:p>
@@ -5610,7 +5610,7 @@
           <a:p>
             <a:fld id="{2E3F47AE-4804-4655-8D11-C2BEE1A314EC}" type="datetimeFigureOut">
               <a:rPr lang="en-GB" smtClean="0"/>
-              <a:t>01/12/2021</a:t>
+              <a:t>02/12/2021</a:t>
             </a:fld>
             <a:endParaRPr lang="en-GB"/>
           </a:p>
@@ -8088,7 +8088,17 @@
             </a:pPr>
             <a:r>
               <a:rPr lang="en-US" sz="2000" dirty="0"/>
-              <a:t> I am creating a web application that will allow users to track their gym progress in an easy and visual way</a:t>
+              <a:t>Context</a:t>
+            </a:r>
+          </a:p>
+          <a:p>
+            <a:pPr lvl="1" algn="l">
+              <a:buFont typeface="Arial"/>
+              <a:buChar char="•"/>
+            </a:pPr>
+            <a:r>
+              <a:rPr lang="en-US" sz="1900" dirty="0"/>
+              <a:t>A web application that will allow users to track their gym progress in an easy and visual way</a:t>
             </a:r>
           </a:p>
           <a:p>
@@ -8098,17 +8108,7 @@
             </a:pPr>
             <a:r>
               <a:rPr lang="en-US" sz="2000" dirty="0"/>
-              <a:t> I am creating a web application as that is something I have an interest in and would like to potentially pursue a career in this area in the future</a:t>
-            </a:r>
-          </a:p>
-          <a:p>
-            <a:pPr algn="l">
-              <a:buFont typeface="Arial"/>
-              <a:buChar char="•"/>
-            </a:pPr>
-            <a:r>
-              <a:rPr lang="en-US" sz="2000" dirty="0"/>
-              <a:t> Key Objectives</a:t>
+              <a:t>Key Objectives</a:t>
             </a:r>
           </a:p>
           <a:p>
@@ -8138,8 +8138,37 @@
             </a:pPr>
             <a:r>
               <a:rPr lang="en-US" sz="2000" dirty="0"/>
-              <a:t> Have a project that I can showcase at interviews</a:t>
+              <a:t> </a:t>
             </a:r>
+            <a:r>
+              <a:rPr lang="en-US" dirty="0"/>
+              <a:t>S</a:t>
+            </a:r>
+            <a:r>
+              <a:rPr lang="en-US" sz="2000" dirty="0"/>
+              <a:t>howcase at interviews</a:t>
+            </a:r>
+          </a:p>
+          <a:p>
+            <a:pPr lvl="1" algn="l">
+              <a:buFont typeface="Arial"/>
+              <a:buChar char="•"/>
+            </a:pPr>
+            <a:r>
+              <a:rPr lang="en-US" dirty="0"/>
+              <a:t> Using a </a:t>
+            </a:r>
+            <a:r>
+              <a:rPr lang="en-US" sz="2000" dirty="0"/>
+              <a:t>MERN stack to develop a web application </a:t>
+            </a:r>
+          </a:p>
+          <a:p>
+            <a:pPr lvl="1" algn="l">
+              <a:buFont typeface="Arial"/>
+              <a:buChar char="•"/>
+            </a:pPr>
+            <a:endParaRPr lang="en-US" sz="2000" dirty="0"/>
           </a:p>
           <a:p>
             <a:pPr marL="342900" indent="-342900" algn="l">
@@ -9710,8 +9739,8 @@
         </p:nvSpPr>
         <p:spPr>
           <a:xfrm>
-            <a:off x="705367" y="801993"/>
-            <a:ext cx="5968515" cy="4767944"/>
+            <a:off x="602914" y="202867"/>
+            <a:ext cx="6320417" cy="4436756"/>
           </a:xfrm>
         </p:spPr>
         <p:txBody>
@@ -9767,26 +9796,6 @@
             <a:r>
               <a:rPr lang="en-US" sz="1900" dirty="0"/>
               <a:t>Node JS: back-end JS run time environment which runs JS codes</a:t>
-            </a:r>
-          </a:p>
-          <a:p>
-            <a:pPr marL="342900" indent="-342900" algn="l">
-              <a:buFont typeface="Arial"/>
-              <a:buChar char="•"/>
-            </a:pPr>
-            <a:r>
-              <a:rPr lang="en-US" sz="2000" dirty="0"/>
-              <a:t>I decided to go with a MERN stack as I am planning on developing a web application </a:t>
-            </a:r>
-          </a:p>
-          <a:p>
-            <a:pPr marL="342900" indent="-342900" algn="l">
-              <a:buFont typeface="Arial"/>
-              <a:buChar char="•"/>
-            </a:pPr>
-            <a:r>
-              <a:rPr lang="en-US" sz="2000" dirty="0"/>
-              <a:t>There is also a demand for web developers and MERN is a very popular technology stack that is used</a:t>
             </a:r>
           </a:p>
           <a:p>
@@ -10251,7 +10260,7 @@
         </p:blipFill>
         <p:spPr bwMode="auto">
           <a:xfrm>
-            <a:off x="464626" y="4939125"/>
+            <a:off x="8653061" y="412990"/>
             <a:ext cx="2977527" cy="1704149"/>
           </a:xfrm>
           <a:prstGeom prst="rect">
@@ -10291,8 +10300,8 @@
         </p:blipFill>
         <p:spPr>
           <a:xfrm>
-            <a:off x="3719076" y="4497286"/>
-            <a:ext cx="3122645" cy="2145988"/>
+            <a:off x="1060590" y="3131910"/>
+            <a:ext cx="4690570" cy="3223519"/>
           </a:xfrm>
           <a:prstGeom prst="rect">
             <a:avLst/>
@@ -11441,18 +11450,8 @@
               <a:buChar char="•"/>
             </a:pPr>
             <a:r>
-              <a:rPr lang="en-US" sz="2000" dirty="0"/>
-              <a:t>Objectives Implemented</a:t>
-            </a:r>
-          </a:p>
-          <a:p>
-            <a:pPr lvl="1" algn="l">
-              <a:buFont typeface="Arial"/>
-              <a:buChar char="•"/>
-            </a:pPr>
-            <a:r>
               <a:rPr lang="en-US" sz="1900" dirty="0"/>
-              <a:t> Wireframe</a:t>
+              <a:t>Wireframe</a:t>
             </a:r>
           </a:p>
           <a:p>

--- a/Project Presentation.pptx
+++ b/Project Presentation.pptx
@@ -618,7 +618,7 @@
           <a:p>
             <a:fld id="{2E3F47AE-4804-4655-8D11-C2BEE1A314EC}" type="datetimeFigureOut">
               <a:rPr lang="en-GB" smtClean="0"/>
-              <a:t>02/12/2021</a:t>
+              <a:t>14/12/2021</a:t>
             </a:fld>
             <a:endParaRPr lang="en-GB"/>
           </a:p>
@@ -914,7 +914,7 @@
           <a:p>
             <a:fld id="{2E3F47AE-4804-4655-8D11-C2BEE1A314EC}" type="datetimeFigureOut">
               <a:rPr lang="en-GB" smtClean="0"/>
-              <a:t>02/12/2021</a:t>
+              <a:t>14/12/2021</a:t>
             </a:fld>
             <a:endParaRPr lang="en-GB"/>
           </a:p>
@@ -1162,7 +1162,7 @@
           <a:p>
             <a:fld id="{2E3F47AE-4804-4655-8D11-C2BEE1A314EC}" type="datetimeFigureOut">
               <a:rPr lang="en-GB" smtClean="0"/>
-              <a:t>02/12/2021</a:t>
+              <a:t>14/12/2021</a:t>
             </a:fld>
             <a:endParaRPr lang="en-GB"/>
           </a:p>
@@ -1702,7 +1702,7 @@
           <a:p>
             <a:fld id="{2E3F47AE-4804-4655-8D11-C2BEE1A314EC}" type="datetimeFigureOut">
               <a:rPr lang="en-GB" smtClean="0"/>
-              <a:t>02/12/2021</a:t>
+              <a:t>14/12/2021</a:t>
             </a:fld>
             <a:endParaRPr lang="en-GB"/>
           </a:p>
@@ -1950,7 +1950,7 @@
           <a:p>
             <a:fld id="{2E3F47AE-4804-4655-8D11-C2BEE1A314EC}" type="datetimeFigureOut">
               <a:rPr lang="en-GB" smtClean="0"/>
-              <a:t>02/12/2021</a:t>
+              <a:t>14/12/2021</a:t>
             </a:fld>
             <a:endParaRPr lang="en-GB"/>
           </a:p>
@@ -2482,7 +2482,7 @@
           <a:p>
             <a:fld id="{2E3F47AE-4804-4655-8D11-C2BEE1A314EC}" type="datetimeFigureOut">
               <a:rPr lang="en-GB" smtClean="0"/>
-              <a:t>02/12/2021</a:t>
+              <a:t>14/12/2021</a:t>
             </a:fld>
             <a:endParaRPr lang="en-GB"/>
           </a:p>
@@ -2779,7 +2779,7 @@
           <a:p>
             <a:fld id="{2E3F47AE-4804-4655-8D11-C2BEE1A314EC}" type="datetimeFigureOut">
               <a:rPr lang="en-GB" smtClean="0"/>
-              <a:t>02/12/2021</a:t>
+              <a:t>14/12/2021</a:t>
             </a:fld>
             <a:endParaRPr lang="en-GB"/>
           </a:p>
@@ -2953,7 +2953,7 @@
           <a:p>
             <a:fld id="{2E3F47AE-4804-4655-8D11-C2BEE1A314EC}" type="datetimeFigureOut">
               <a:rPr lang="en-GB" smtClean="0"/>
-              <a:t>02/12/2021</a:t>
+              <a:t>14/12/2021</a:t>
             </a:fld>
             <a:endParaRPr lang="en-GB"/>
           </a:p>
@@ -3133,7 +3133,7 @@
           <a:p>
             <a:fld id="{2E3F47AE-4804-4655-8D11-C2BEE1A314EC}" type="datetimeFigureOut">
               <a:rPr lang="en-GB" smtClean="0"/>
-              <a:t>02/12/2021</a:t>
+              <a:t>14/12/2021</a:t>
             </a:fld>
             <a:endParaRPr lang="en-GB"/>
           </a:p>
@@ -3303,7 +3303,7 @@
           <a:p>
             <a:fld id="{2E3F47AE-4804-4655-8D11-C2BEE1A314EC}" type="datetimeFigureOut">
               <a:rPr lang="en-GB" smtClean="0"/>
-              <a:t>02/12/2021</a:t>
+              <a:t>14/12/2021</a:t>
             </a:fld>
             <a:endParaRPr lang="en-GB"/>
           </a:p>
@@ -3554,7 +3554,7 @@
           <a:p>
             <a:fld id="{2E3F47AE-4804-4655-8D11-C2BEE1A314EC}" type="datetimeFigureOut">
               <a:rPr lang="en-GB" smtClean="0"/>
-              <a:t>02/12/2021</a:t>
+              <a:t>14/12/2021</a:t>
             </a:fld>
             <a:endParaRPr lang="en-GB"/>
           </a:p>
@@ -3851,7 +3851,7 @@
           <a:p>
             <a:fld id="{2E3F47AE-4804-4655-8D11-C2BEE1A314EC}" type="datetimeFigureOut">
               <a:rPr lang="en-GB" smtClean="0"/>
-              <a:t>02/12/2021</a:t>
+              <a:t>14/12/2021</a:t>
             </a:fld>
             <a:endParaRPr lang="en-GB"/>
           </a:p>
@@ -4293,7 +4293,7 @@
           <a:p>
             <a:fld id="{2E3F47AE-4804-4655-8D11-C2BEE1A314EC}" type="datetimeFigureOut">
               <a:rPr lang="en-GB" smtClean="0"/>
-              <a:t>02/12/2021</a:t>
+              <a:t>14/12/2021</a:t>
             </a:fld>
             <a:endParaRPr lang="en-GB"/>
           </a:p>
@@ -4411,7 +4411,7 @@
           <a:p>
             <a:fld id="{2E3F47AE-4804-4655-8D11-C2BEE1A314EC}" type="datetimeFigureOut">
               <a:rPr lang="en-GB" smtClean="0"/>
-              <a:t>02/12/2021</a:t>
+              <a:t>14/12/2021</a:t>
             </a:fld>
             <a:endParaRPr lang="en-GB"/>
           </a:p>
@@ -4506,7 +4506,7 @@
           <a:p>
             <a:fld id="{2E3F47AE-4804-4655-8D11-C2BEE1A314EC}" type="datetimeFigureOut">
               <a:rPr lang="en-GB" smtClean="0"/>
-              <a:t>02/12/2021</a:t>
+              <a:t>14/12/2021</a:t>
             </a:fld>
             <a:endParaRPr lang="en-GB"/>
           </a:p>
@@ -4789,7 +4789,7 @@
           <a:p>
             <a:fld id="{2E3F47AE-4804-4655-8D11-C2BEE1A314EC}" type="datetimeFigureOut">
               <a:rPr lang="en-GB" smtClean="0"/>
-              <a:t>02/12/2021</a:t>
+              <a:t>14/12/2021</a:t>
             </a:fld>
             <a:endParaRPr lang="en-GB"/>
           </a:p>
@@ -5080,7 +5080,7 @@
           <a:p>
             <a:fld id="{2E3F47AE-4804-4655-8D11-C2BEE1A314EC}" type="datetimeFigureOut">
               <a:rPr lang="en-GB" smtClean="0"/>
-              <a:t>02/12/2021</a:t>
+              <a:t>14/12/2021</a:t>
             </a:fld>
             <a:endParaRPr lang="en-GB"/>
           </a:p>
@@ -5610,7 +5610,7 @@
           <a:p>
             <a:fld id="{2E3F47AE-4804-4655-8D11-C2BEE1A314EC}" type="datetimeFigureOut">
               <a:rPr lang="en-GB" smtClean="0"/>
-              <a:t>02/12/2021</a:t>
+              <a:t>14/12/2021</a:t>
             </a:fld>
             <a:endParaRPr lang="en-GB"/>
           </a:p>
@@ -6840,13 +6840,8 @@
           <a:p>
             <a:r>
               <a:rPr lang="en-US" dirty="0"/>
-              <a:t>Supervisor Name: Joe </a:t>
+              <a:t>Supervisor Name: Joe Corr</a:t>
             </a:r>
-            <a:r>
-              <a:rPr lang="en-US" dirty="0" err="1"/>
-              <a:t>Corr</a:t>
-            </a:r>
-            <a:endParaRPr lang="en-US" dirty="0"/>
           </a:p>
           <a:p>
             <a:endParaRPr lang="en-IE" dirty="0"/>
@@ -8156,11 +8151,11 @@
             </a:pPr>
             <a:r>
               <a:rPr lang="en-US" dirty="0"/>
-              <a:t> Using a </a:t>
+              <a:t> Use a </a:t>
             </a:r>
             <a:r>
               <a:rPr lang="en-US" sz="2000" dirty="0"/>
-              <a:t>MERN stack to develop a web application </a:t>
+              <a:t>MERN stack to develop my web application </a:t>
             </a:r>
           </a:p>
           <a:p>
@@ -10233,53 +10228,6 @@
       </p:sp>
       <p:pic>
         <p:nvPicPr>
-          <p:cNvPr id="1026" name="Picture 2" descr="How to create your first MERN (MongoDB, Express JS, React JS and Node JS)  Stack | by Sam Barros | The Startup | Medium">
-            <a:extLst>
-              <a:ext uri="{FF2B5EF4-FFF2-40B4-BE49-F238E27FC236}">
-                <a16:creationId xmlns:a16="http://schemas.microsoft.com/office/drawing/2014/main" id="{5351F99E-EF84-4820-9E70-85C01FA31771}"/>
-              </a:ext>
-            </a:extLst>
-          </p:cNvPr>
-          <p:cNvPicPr>
-            <a:picLocks noChangeAspect="1" noChangeArrowheads="1"/>
-          </p:cNvPicPr>
-          <p:nvPr/>
-        </p:nvPicPr>
-        <p:blipFill>
-          <a:blip r:embed="rId2">
-            <a:extLst>
-              <a:ext uri="{28A0092B-C50C-407E-A947-70E740481C1C}">
-                <a14:useLocalDpi xmlns:a14="http://schemas.microsoft.com/office/drawing/2010/main" val="0"/>
-              </a:ext>
-            </a:extLst>
-          </a:blip>
-          <a:srcRect/>
-          <a:stretch>
-            <a:fillRect/>
-          </a:stretch>
-        </p:blipFill>
-        <p:spPr bwMode="auto">
-          <a:xfrm>
-            <a:off x="8653061" y="412990"/>
-            <a:ext cx="2977527" cy="1704149"/>
-          </a:xfrm>
-          <a:prstGeom prst="rect">
-            <a:avLst/>
-          </a:prstGeom>
-          <a:noFill/>
-          <a:extLst>
-            <a:ext uri="{909E8E84-426E-40DD-AFC4-6F175D3DCCD1}">
-              <a14:hiddenFill xmlns:a14="http://schemas.microsoft.com/office/drawing/2010/main">
-                <a:solidFill>
-                  <a:srgbClr val="FFFFFF"/>
-                </a:solidFill>
-              </a14:hiddenFill>
-            </a:ext>
-          </a:extLst>
-        </p:spPr>
-      </p:pic>
-      <p:pic>
-        <p:nvPicPr>
           <p:cNvPr id="4" name="Picture 3">
             <a:extLst>
               <a:ext uri="{FF2B5EF4-FFF2-40B4-BE49-F238E27FC236}">
@@ -10293,19 +10241,32 @@
           <p:nvPr/>
         </p:nvPicPr>
         <p:blipFill>
-          <a:blip r:embed="rId3"/>
+          <a:blip r:embed="rId2"/>
           <a:stretch>
             <a:fillRect/>
           </a:stretch>
         </p:blipFill>
         <p:spPr>
           <a:xfrm>
-            <a:off x="1060590" y="3131910"/>
+            <a:off x="1087408" y="2964130"/>
             <a:ext cx="4690570" cy="3223519"/>
           </a:xfrm>
-          <a:prstGeom prst="rect">
-            <a:avLst/>
+          <a:prstGeom prst="roundRect">
+            <a:avLst>
+              <a:gd name="adj" fmla="val 8594"/>
+            </a:avLst>
           </a:prstGeom>
+          <a:solidFill>
+            <a:srgbClr val="FFFFFF">
+              <a:shade val="85000"/>
+            </a:srgbClr>
+          </a:solidFill>
+          <a:ln>
+            <a:noFill/>
+          </a:ln>
+          <a:effectLst>
+            <a:reflection blurRad="12700" stA="38000" endPos="28000" dist="5000" dir="5400000" sy="-100000" algn="bl" rotWithShape="0"/>
+          </a:effectLst>
         </p:spPr>
       </p:pic>
     </p:spTree>
@@ -11223,8 +11184,8 @@
           <a:p>
             <a:pPr algn="l"/>
             <a:r>
-              <a:rPr lang="en-US" sz="4000"/>
-              <a:t>Development &amp; Deployment </a:t>
+              <a:rPr lang="en-US" sz="4000" dirty="0"/>
+              <a:t>Development </a:t>
             </a:r>
           </a:p>
         </p:txBody>
@@ -11435,7 +11396,7 @@
         </p:nvSpPr>
         <p:spPr>
           <a:xfrm>
-            <a:off x="615007" y="-143330"/>
+            <a:off x="397155" y="468928"/>
             <a:ext cx="5968515" cy="4767944"/>
           </a:xfrm>
         </p:spPr>
@@ -11445,23 +11406,13 @@
           </a:bodyPr>
           <a:lstStyle/>
           <a:p>
-            <a:pPr algn="l">
-              <a:buFont typeface="Arial"/>
-              <a:buChar char="•"/>
-            </a:pPr>
-            <a:r>
-              <a:rPr lang="en-US" sz="1900" dirty="0"/>
-              <a:t>Wireframe</a:t>
-            </a:r>
-          </a:p>
-          <a:p>
             <a:pPr lvl="1" algn="l">
               <a:buFont typeface="Arial"/>
               <a:buChar char="•"/>
             </a:pPr>
             <a:r>
               <a:rPr lang="en-US" sz="1900" dirty="0"/>
-              <a:t> Github repository</a:t>
+              <a:t>GitHub repository</a:t>
             </a:r>
           </a:p>
           <a:p>
@@ -11932,72 +11883,25 @@
         </p:blipFill>
         <p:spPr>
           <a:xfrm>
-            <a:off x="198012" y="4600760"/>
-            <a:ext cx="3797098" cy="1623786"/>
+            <a:off x="1019475" y="2941184"/>
+            <a:ext cx="5642160" cy="2412806"/>
           </a:xfrm>
-          <a:prstGeom prst="rect">
-            <a:avLst/>
+          <a:prstGeom prst="roundRect">
+            <a:avLst>
+              <a:gd name="adj" fmla="val 8594"/>
+            </a:avLst>
           </a:prstGeom>
-        </p:spPr>
-      </p:pic>
-      <p:pic>
-        <p:nvPicPr>
-          <p:cNvPr id="7" name="Picture 6">
-            <a:extLst>
-              <a:ext uri="{FF2B5EF4-FFF2-40B4-BE49-F238E27FC236}">
-                <a16:creationId xmlns:a16="http://schemas.microsoft.com/office/drawing/2014/main" id="{EE20FF0D-6041-4EF9-9393-8D2286A3CE7B}"/>
-              </a:ext>
-            </a:extLst>
-          </p:cNvPr>
-          <p:cNvPicPr>
-            <a:picLocks noChangeAspect="1"/>
-          </p:cNvPicPr>
-          <p:nvPr/>
-        </p:nvPicPr>
-        <p:blipFill>
-          <a:blip r:embed="rId3"/>
-          <a:stretch>
-            <a:fillRect/>
-          </a:stretch>
-        </p:blipFill>
-        <p:spPr>
-          <a:xfrm>
-            <a:off x="204538" y="2463670"/>
-            <a:ext cx="6389337" cy="1801021"/>
-          </a:xfrm>
-          <a:prstGeom prst="rect">
-            <a:avLst/>
-          </a:prstGeom>
-        </p:spPr>
-      </p:pic>
-      <p:pic>
-        <p:nvPicPr>
-          <p:cNvPr id="17" name="Picture 16">
-            <a:extLst>
-              <a:ext uri="{FF2B5EF4-FFF2-40B4-BE49-F238E27FC236}">
-                <a16:creationId xmlns:a16="http://schemas.microsoft.com/office/drawing/2014/main" id="{7A6EE3AC-6E87-4D7D-B36B-AC20B5CB32E1}"/>
-              </a:ext>
-            </a:extLst>
-          </p:cNvPr>
-          <p:cNvPicPr>
-            <a:picLocks noChangeAspect="1"/>
-          </p:cNvPicPr>
-          <p:nvPr/>
-        </p:nvPicPr>
-        <p:blipFill>
-          <a:blip r:embed="rId4"/>
-          <a:stretch>
-            <a:fillRect/>
-          </a:stretch>
-        </p:blipFill>
-        <p:spPr>
-          <a:xfrm>
-            <a:off x="4187542" y="4400966"/>
-            <a:ext cx="3694961" cy="2192614"/>
-          </a:xfrm>
-          <a:prstGeom prst="rect">
-            <a:avLst/>
-          </a:prstGeom>
+          <a:solidFill>
+            <a:srgbClr val="FFFFFF">
+              <a:shade val="85000"/>
+            </a:srgbClr>
+          </a:solidFill>
+          <a:ln>
+            <a:noFill/>
+          </a:ln>
+          <a:effectLst>
+            <a:reflection blurRad="12700" stA="38000" endPos="28000" dist="5000" dir="5400000" sy="-100000" algn="bl" rotWithShape="0"/>
+          </a:effectLst>
         </p:spPr>
       </p:pic>
     </p:spTree>
@@ -12915,8 +12819,8 @@
           <a:p>
             <a:pPr algn="l"/>
             <a:r>
-              <a:rPr lang="en-US" sz="4000"/>
-              <a:t>Work Plan</a:t>
+              <a:rPr lang="en-US" sz="4000" dirty="0"/>
+              <a:t>Project Plan</a:t>
             </a:r>
           </a:p>
         </p:txBody>
@@ -13127,8 +13031,8 @@
         </p:nvSpPr>
         <p:spPr>
           <a:xfrm>
-            <a:off x="693035" y="1023257"/>
-            <a:ext cx="5968515" cy="4767944"/>
+            <a:off x="509591" y="825384"/>
+            <a:ext cx="4793365" cy="2199997"/>
           </a:xfrm>
         </p:spPr>
         <p:txBody>
@@ -13137,23 +13041,13 @@
           </a:bodyPr>
           <a:lstStyle/>
           <a:p>
-            <a:pPr algn="l">
-              <a:buFont typeface="Arial"/>
-              <a:buChar char="•"/>
-            </a:pPr>
-            <a:r>
-              <a:rPr lang="en-US" sz="2000"/>
-              <a:t>Show a Gantt Chart of the set of remaining activities.</a:t>
-            </a:r>
-          </a:p>
-          <a:p>
             <a:pPr marL="342900" indent="-342900" algn="l">
               <a:buFont typeface="Arial"/>
               <a:buChar char="•"/>
             </a:pPr>
             <a:r>
-              <a:rPr lang="en-US" sz="2000"/>
-              <a:t>Don’t forget to include your dissertation document and any other deliverables.</a:t>
+              <a:rPr lang="en-US" sz="2000" dirty="0"/>
+              <a:t>Project Wireframe</a:t>
             </a:r>
           </a:p>
           <a:p>
@@ -13161,21 +13055,21 @@
               <a:buFont typeface="Arial"/>
               <a:buChar char="•"/>
             </a:pPr>
-            <a:endParaRPr lang="en-US" sz="2000"/>
+            <a:endParaRPr lang="en-US" sz="2000" dirty="0"/>
           </a:p>
           <a:p>
             <a:pPr algn="l">
               <a:buFont typeface="Arial"/>
               <a:buChar char="•"/>
             </a:pPr>
-            <a:endParaRPr lang="en-US" sz="2000"/>
+            <a:endParaRPr lang="en-US" sz="2000" dirty="0"/>
           </a:p>
           <a:p>
             <a:pPr algn="l">
               <a:buFont typeface="Arial"/>
               <a:buChar char="•"/>
             </a:pPr>
-            <a:endParaRPr lang="en-US" sz="2000"/>
+            <a:endParaRPr lang="en-US" sz="2000" dirty="0"/>
           </a:p>
         </p:txBody>
       </p:sp>
@@ -13592,6 +13486,49 @@
           </a:p>
         </p:txBody>
       </p:sp>
+      <p:pic>
+        <p:nvPicPr>
+          <p:cNvPr id="21" name="Picture 20">
+            <a:extLst>
+              <a:ext uri="{FF2B5EF4-FFF2-40B4-BE49-F238E27FC236}">
+                <a16:creationId xmlns:a16="http://schemas.microsoft.com/office/drawing/2014/main" id="{533B730C-B6FF-4E45-B88D-5E9D342AE614}"/>
+              </a:ext>
+            </a:extLst>
+          </p:cNvPr>
+          <p:cNvPicPr>
+            <a:picLocks noChangeAspect="1"/>
+          </p:cNvPicPr>
+          <p:nvPr/>
+        </p:nvPicPr>
+        <p:blipFill>
+          <a:blip r:embed="rId2"/>
+          <a:stretch>
+            <a:fillRect/>
+          </a:stretch>
+        </p:blipFill>
+        <p:spPr>
+          <a:xfrm>
+            <a:off x="607604" y="1749214"/>
+            <a:ext cx="6177169" cy="3665572"/>
+          </a:xfrm>
+          <a:prstGeom prst="roundRect">
+            <a:avLst>
+              <a:gd name="adj" fmla="val 8594"/>
+            </a:avLst>
+          </a:prstGeom>
+          <a:solidFill>
+            <a:srgbClr val="FFFFFF">
+              <a:shade val="85000"/>
+            </a:srgbClr>
+          </a:solidFill>
+          <a:ln>
+            <a:noFill/>
+          </a:ln>
+          <a:effectLst>
+            <a:reflection blurRad="12700" stA="38000" endPos="28000" dist="5000" dir="5400000" sy="-100000" algn="bl" rotWithShape="0"/>
+          </a:effectLst>
+        </p:spPr>
+      </p:pic>
     </p:spTree>
     <p:extLst>
       <p:ext uri="{BB962C8B-B14F-4D97-AF65-F5344CB8AC3E}">
